--- a/images/Banner_PI_80x120.pptx
+++ b/images/Banner_PI_80x120.pptx
@@ -4337,7 +4337,7 @@
             </a:r>
             <a:r>
               <a:rPr lang="pt-BR" sz="2000" dirty="0"/>
-              <a:t>	A nossa equipe é formada por alunos da instituição de ensino FECAP, um grupo pequeno de apenas cinco pessoas que estão constantemente trabalhando e estudando para aprimorar nosso conhecimento, unidos pela busca constante pela inovação, utilizando as tecnologias mais recentes para criar soluções que resolvam problemas reais, otimizem processos e tornem a experiência do usuário mais eficiente e intuitiva. </a:t>
+              <a:t>	Nossa equipe é formada por alunos da instituição de ensino FECAP. Somos um grupo pequeno, composto por cinco pessoas constantemente trabalhando e estudando para aprimorar nosso conhecimento. Estamos unidos pela busca constante por inovação, utilizando as tecnologias mais recentes para criar soluções que resolvam problemas reais, otimizem processos e tornem a experiência do usuário mais eficiente e intuitiva. </a:t>
             </a:r>
           </a:p>
           <a:p>
@@ -4348,7 +4348,7 @@
             </a:pPr>
             <a:r>
               <a:rPr lang="pt-BR" sz="2000" dirty="0"/>
-              <a:t>   Para nós, o aprendizado contínuo e a paixão pela tecnologia são as chaves para o sucesso e para um futuro promissor no mundo digital. A união foi essencial dentro da equipe, e, mesmo com habilidades técnicas em constante desenvolvimento, os membros compartilharam conhecimentos, se ajudaram e trocaram ideias para melhorar os resultados. A troca de experiências entre os integrantes foi rica, pois cada um tem um ponto de vista único, seja sobre um algoritmo, uma arquitetura de sistema ou uma abordagem criativa para um problema.</a:t>
+              <a:t>   Para nós, o aprendizado contínuo e a paixão pela tecnologia são as chaves para o sucesso e para um futuro promissor no mundo digital. A união foi essencial na equipe e, mesmo com habilidades técnicas em constante desenvolvimento, os membros compartilharam conhecimentos, ajudaram-se e trocaram ideias para melhorar os resultados. A troca de experiências entre os integrantes foi rica, pois cada um tem um ponto de vista único, seja sobre um algoritmo, uma arquitetura de sistema ou uma abordagem criativa para um problema.</a:t>
             </a:r>
           </a:p>
           <a:p>
@@ -4704,7 +4704,7 @@
             </a:pPr>
             <a:r>
               <a:rPr lang="pt-BR" sz="2000" dirty="0"/>
-              <a:t>	O problema central que o aplicativo busca resolver é a falta de informações acessíveis e confiáveis sobre a segurança em tempo real, que pode afetar diretamente a tomada de decisões de cidadãos e visitantes quando esses tentam entrar. </a:t>
+              <a:t>	O problema central que o aplicativo busca resolver é a falta de informações acessíveis e confiáveis sobre a segurança em tempo real, o que pode afetar diretamente a tomada de decisões de cidadãos e visitantes quando esses tentam entrar. </a:t>
             </a:r>
           </a:p>
           <a:p>
@@ -4715,15 +4715,7 @@
             </a:pPr>
             <a:r>
               <a:rPr lang="pt-BR" sz="2000" dirty="0"/>
-              <a:t>	De acordo com uma pesquisa da Datafolha a percepção de aumento da criminalidade nos últimos 12 meses é maior entre os moradores do estado de São Paul</a:t>
-            </a:r>
-            <a:r>
-              <a:rPr lang="pt-BR" sz="2000" b="1" dirty="0"/>
-              <a:t>o</a:t>
-            </a:r>
-            <a:r>
-              <a:rPr lang="pt-BR" sz="2000" dirty="0"/>
-              <a:t> do que na média brasileira, assim, com o aumento da violência e da criminalidade em muitas regiões do estado, os indivíduos frequentemente se veem inseguros ao navegar por áreas desconhecidas ou até mesmo ao avaliar se devem ou não sair para determinado local. Em muitos casos, as informações disponíveis sobre a segurança de uma região são fragmentadas, desatualizadas ou simplesmente inexistentes de forma consolidada, tornando difícil para as pessoas terem uma visão clara do risco de determinada zona.</a:t>
+              <a:t>	De acordo com uma pesquisa do Datafolha, a percepção de aumento da criminalidade nos últimos 12 meses é maior entre os moradores do estado de São Paulo do que na média brasileira. Diante disso, com o aumento da violência e da criminalidade em muitas regiões do estado, os indivíduos frequentemente se sentem inseguros ao transitar por áreas desconhecidas ou até mesmo ao avaliar se devem ou não sair para determinado local. Em muitos casos, as informações disponíveis sobre a segurança de uma região são fragmentadas, desatualizadas ou simplesmente inexistentes de forma consolidada, dificultando que as pessoas tenham uma visão clara dos riscos em determinada zona.</a:t>
             </a:r>
           </a:p>
         </p:txBody>
@@ -4745,7 +4737,7 @@
         <p:spPr bwMode="auto">
           <a:xfrm>
             <a:off x="472817" y="24098433"/>
-            <a:ext cx="9990284" cy="4862870"/>
+            <a:ext cx="9990284" cy="4439677"/>
           </a:xfrm>
           <a:prstGeom prst="rect">
             <a:avLst/>
@@ -4800,7 +4792,7 @@
             </a:r>
             <a:r>
               <a:rPr lang="pt-BR" sz="2000" dirty="0"/>
-              <a:t>	Conforme o problema descrito a solução escolhida é, conforme as avaliações, o motorista ou o usuário, possam ter consciência do quão perigoso a zona na qual esses desejam ir pode ser e assim poder tanto tomar os devidos cuidados, quanto criar rotas mais seguras e eficientes. Em análise, o objetivo é empoderar os cidadãos com informações que possibilitem um maior controle sobre sua segurança e bem-estar quando esses se movimentam dentro do estado.</a:t>
+              <a:t>	 Conforme o problema descrito, a solução escolhida busca permitir que motorista e passageiros, possam ter consciência do quão perigoso a zona na qual esses desejam ir pode ser e assim poder tanto tomar os devidos cuidados, quanto criar rotas mais seguras e eficientes. Em análise, o objetivo é empoderar os cidadãos com informações que possibilitem um maior controle sobre sua segurança e bem-estar quando esses se movimentam no estado.</a:t>
             </a:r>
           </a:p>
           <a:p>
@@ -4811,16 +4803,8 @@
             </a:pPr>
             <a:r>
               <a:rPr lang="pt-BR" sz="2000" dirty="0"/>
-              <a:t>	O app visa oferecer ao usuário informações confiáveis e atualizadas sobre a segurança de determinada área, auxiliando na escolha de rotas, destinos e horários mais seguros para transitar. O seu objetivo é ser uma ferramenta de verificação de uma zona especifica dentro do estado de São Paulo, ajudando os usuários a avaliar o nível de perigo dessa zona conforme suas experiências e assim tomar decisões caso forem navegar no local. </a:t>
-            </a:r>
-          </a:p>
-          <a:p>
-            <a:pPr algn="just" defTabSz="1258888" eaLnBrk="1" hangingPunct="1">
-              <a:spcAft>
-                <a:spcPts val="900"/>
-              </a:spcAft>
-            </a:pPr>
-            <a:endParaRPr lang="pt-BR" sz="2000" dirty="0"/>
+              <a:t>	O aplicativo visa oferecer ao usuário informações confiáveis e atualizadas sobre a segurança de áreas específicas, auxiliando os usuários na escolha de rotas, destinos e horários mais seguros para transitar. O seu objetivo é ser uma ferramenta de verificação da segurança de zonas específicas no estado de São Paulo, ajudando os usuários a avaliar o nível de perigo com base em dados e suas experiências compartilhadas e assim tomar decisões antes de navegar por esses locais.</a:t>
+            </a:r>
           </a:p>
         </p:txBody>
       </p:sp>
@@ -5076,7 +5060,7 @@
           <a:p>
             <a:r>
               <a:rPr lang="pt-BR" sz="2000" dirty="0"/>
-              <a:t>	Para que o projeto alcance seu máximo potencial, é fundamental contar com alguns fatores como:</a:t>
+              <a:t>	Para que o projeto alcance seu máximo potencial, é fundamental contar com alguns fatores:</a:t>
             </a:r>
           </a:p>
           <a:p>
@@ -5089,11 +5073,11 @@
             </a:r>
             <a:r>
               <a:rPr lang="pt-BR" sz="2000" b="1" dirty="0"/>
-              <a:t>Uma equipe de design: </a:t>
+              <a:t>Equipe de design: </a:t>
             </a:r>
             <a:r>
               <a:rPr lang="pt-BR" sz="2000" dirty="0"/>
-              <a:t>O design de um app é essencial para ser atrativo para futuros usuários, uma equipe especializada nisso faria com que o app pudesse alcançar assim um maior público.</a:t>
+              <a:t>O design de um aplicativo é essencial para torná-lo atrativo aos futuros usuários. Uma equipe especializada nessa área contribuiria para que o app pudesse alcançar assim um maior público.</a:t>
             </a:r>
           </a:p>
           <a:p>
@@ -5106,11 +5090,11 @@
             </a:r>
             <a:r>
               <a:rPr lang="pt-BR" sz="2000" b="1" dirty="0"/>
-              <a:t>Maior tempo de desenvolvimento e maior equipe: </a:t>
+              <a:t>Mais tempo de desenvolvimento e maior equipe: </a:t>
             </a:r>
             <a:r>
               <a:rPr lang="pt-BR" sz="2000" dirty="0"/>
-              <a:t>Com um maior tempo para o desenvolvimento do projeto e maior equipe pode  assim garantir com que esse fique melhor, aprimorado para poder alcançar o seu maior potencial. </a:t>
+              <a:t>Com um prazo maior para o desenvolvimento do projeto e maior equipe, pode-se assim garantir que esse fique melhor, aprimorado para poder alcançar o seu maior potencial. </a:t>
             </a:r>
           </a:p>
           <a:p>
@@ -5122,16 +5106,12 @@
               <a:t>3. </a:t>
             </a:r>
             <a:r>
-              <a:rPr lang="pt-BR" sz="2000" b="1" dirty="0"/>
-              <a:t>Ajuda financeira: </a:t>
-            </a:r>
-            <a:r>
-              <a:rPr lang="pt-BR" sz="2000" dirty="0"/>
-              <a:t>Como seria necessário o uso de ferramentas mais avançadas e um maior tempo, a ajuda financeira iria fazer com que os desenvolvedores conseguissem aprimorar o aplicativo com o uso das melhores ferramentas do </a:t>
+              <a:rPr lang="pt-BR" sz="2000" b="1"/>
+              <a:t>Apoio financeiro: </a:t>
             </a:r>
             <a:r>
               <a:rPr lang="pt-BR" sz="2000"/>
-              <a:t>mercado.</a:t>
+              <a:t>Como seria necessário o uso de ferramentas mais avançadas e aumentar o tempo de desenvolvimento, a ajuda financeira iria fazer com que os desenvolvedores aprimorassem o aplicativo com o uso das melhores recursos no mercado.</a:t>
             </a:r>
             <a:endParaRPr lang="pt-BR" sz="2000" dirty="0"/>
           </a:p>
@@ -7129,26 +7109,6 @@
 </file>
 
 <file path=customXml/item1.xml><?xml version="1.0" encoding="utf-8"?>
-<p:properties xmlns:p="http://schemas.microsoft.com/office/2006/metadata/properties" xmlns:xsi="http://www.w3.org/2001/XMLSchema-instance" xmlns:pc="http://schemas.microsoft.com/office/infopath/2007/PartnerControls">
-  <documentManagement>
-    <lcf76f155ced4ddcb4097134ff3c332f xmlns="8ca2a57e-8138-4b57-956a-eb6e2c7049cc">
-      <Terms xmlns="http://schemas.microsoft.com/office/infopath/2007/PartnerControls"/>
-    </lcf76f155ced4ddcb4097134ff3c332f>
-    <TaxCatchAll xmlns="1d2798d9-1030-4cc5-be7b-200f9e628651" xsi:nil="true"/>
-  </documentManagement>
-</p:properties>
-</file>
-
-<file path=customXml/item2.xml><?xml version="1.0" encoding="utf-8"?>
-<?mso-contentType ?>
-<FormTemplates xmlns="http://schemas.microsoft.com/sharepoint/v3/contenttype/forms">
-  <Display>DocumentLibraryForm</Display>
-  <Edit>DocumentLibraryForm</Edit>
-  <New>DocumentLibraryForm</New>
-</FormTemplates>
-</file>
-
-<file path=customXml/item3.xml><?xml version="1.0" encoding="utf-8"?>
 <ct:contentTypeSchema xmlns:ct="http://schemas.microsoft.com/office/2006/metadata/contentType" xmlns:ma="http://schemas.microsoft.com/office/2006/metadata/properties/metaAttributes" ct:_="" ma:_="" ma:contentTypeName="Documento" ma:contentTypeID="0x01010045364877AF745B4281652B53F43C594A" ma:contentTypeVersion="15" ma:contentTypeDescription="Crie um novo documento." ma:contentTypeScope="" ma:versionID="440a6fbbcbce65e3f8e2bed610644788">
   <xsd:schema xmlns:xsd="http://www.w3.org/2001/XMLSchema" xmlns:xs="http://www.w3.org/2001/XMLSchema" xmlns:p="http://schemas.microsoft.com/office/2006/metadata/properties" xmlns:ns2="1d2798d9-1030-4cc5-be7b-200f9e628651" xmlns:ns3="8ca2a57e-8138-4b57-956a-eb6e2c7049cc" targetNamespace="http://schemas.microsoft.com/office/2006/metadata/properties" ma:root="true" ma:fieldsID="3ff20d9b6411658b7762fa2c08d7e1af" ns2:_="" ns3:_="">
     <xsd:import namespace="1d2798d9-1030-4cc5-be7b-200f9e628651"/>
@@ -7383,32 +7343,27 @@
 </ct:contentTypeSchema>
 </file>
 
-<file path=customXml/itemProps1.xml><?xml version="1.0" encoding="utf-8"?>
-<ds:datastoreItem xmlns:ds="http://schemas.openxmlformats.org/officeDocument/2006/customXml" ds:itemID="{8C580D08-C850-4D98-9BB0-6190D1509D8A}">
-  <ds:schemaRefs>
-    <ds:schemaRef ds:uri="http://schemas.microsoft.com/office/2006/documentManagement/types"/>
-    <ds:schemaRef ds:uri="http://purl.org/dc/dcmitype/"/>
-    <ds:schemaRef ds:uri="http://schemas.microsoft.com/office/2006/metadata/properties"/>
-    <ds:schemaRef ds:uri="8ca2a57e-8138-4b57-956a-eb6e2c7049cc"/>
-    <ds:schemaRef ds:uri="http://www.w3.org/XML/1998/namespace"/>
-    <ds:schemaRef ds:uri="http://schemas.microsoft.com/office/infopath/2007/PartnerControls"/>
-    <ds:schemaRef ds:uri="http://schemas.openxmlformats.org/package/2006/metadata/core-properties"/>
-    <ds:schemaRef ds:uri="1d2798d9-1030-4cc5-be7b-200f9e628651"/>
-    <ds:schemaRef ds:uri="http://purl.org/dc/terms/"/>
-    <ds:schemaRef ds:uri="http://purl.org/dc/elements/1.1/"/>
-  </ds:schemaRefs>
-</ds:datastoreItem>
+<file path=customXml/item2.xml><?xml version="1.0" encoding="utf-8"?>
+<?mso-contentType ?>
+<FormTemplates xmlns="http://schemas.microsoft.com/sharepoint/v3/contenttype/forms">
+  <Display>DocumentLibraryForm</Display>
+  <Edit>DocumentLibraryForm</Edit>
+  <New>DocumentLibraryForm</New>
+</FormTemplates>
 </file>
 
-<file path=customXml/itemProps2.xml><?xml version="1.0" encoding="utf-8"?>
-<ds:datastoreItem xmlns:ds="http://schemas.openxmlformats.org/officeDocument/2006/customXml" ds:itemID="{20511531-72C6-41EA-909D-35A50B0891E1}">
-  <ds:schemaRefs>
-    <ds:schemaRef ds:uri="http://schemas.microsoft.com/sharepoint/v3/contenttype/forms"/>
-  </ds:schemaRefs>
-</ds:datastoreItem>
+<file path=customXml/item3.xml><?xml version="1.0" encoding="utf-8"?>
+<p:properties xmlns:p="http://schemas.microsoft.com/office/2006/metadata/properties" xmlns:xsi="http://www.w3.org/2001/XMLSchema-instance" xmlns:pc="http://schemas.microsoft.com/office/infopath/2007/PartnerControls">
+  <documentManagement>
+    <lcf76f155ced4ddcb4097134ff3c332f xmlns="8ca2a57e-8138-4b57-956a-eb6e2c7049cc">
+      <Terms xmlns="http://schemas.microsoft.com/office/infopath/2007/PartnerControls"/>
+    </lcf76f155ced4ddcb4097134ff3c332f>
+    <TaxCatchAll xmlns="1d2798d9-1030-4cc5-be7b-200f9e628651" xsi:nil="true"/>
+  </documentManagement>
+</p:properties>
 </file>
 
-<file path=customXml/itemProps3.xml><?xml version="1.0" encoding="utf-8"?>
+<file path=customXml/itemProps1.xml><?xml version="1.0" encoding="utf-8"?>
 <ds:datastoreItem xmlns:ds="http://schemas.openxmlformats.org/officeDocument/2006/customXml" ds:itemID="{B0583F25-0BD0-426F-9D18-6079E5A02729}">
   <ds:schemaRefs>
     <ds:schemaRef ds:uri="http://schemas.microsoft.com/office/2006/metadata/contentType"/>
@@ -7425,4 +7380,29 @@
     <ds:schemaRef ds:uri="http://schemas.microsoft.com/internal/obd"/>
   </ds:schemaRefs>
 </ds:datastoreItem>
+</file>
+
+<file path=customXml/itemProps2.xml><?xml version="1.0" encoding="utf-8"?>
+<ds:datastoreItem xmlns:ds="http://schemas.openxmlformats.org/officeDocument/2006/customXml" ds:itemID="{20511531-72C6-41EA-909D-35A50B0891E1}">
+  <ds:schemaRefs>
+    <ds:schemaRef ds:uri="http://schemas.microsoft.com/sharepoint/v3/contenttype/forms"/>
+  </ds:schemaRefs>
+</ds:datastoreItem>
+</file>
+
+<file path=customXml/itemProps3.xml><?xml version="1.0" encoding="utf-8"?>
+<ds:datastoreItem xmlns:ds="http://schemas.openxmlformats.org/officeDocument/2006/customXml" ds:itemID="{8C580D08-C850-4D98-9BB0-6190D1509D8A}">
+  <ds:schemaRefs>
+    <ds:schemaRef ds:uri="http://schemas.microsoft.com/office/2006/documentManagement/types"/>
+    <ds:schemaRef ds:uri="http://purl.org/dc/dcmitype/"/>
+    <ds:schemaRef ds:uri="http://schemas.microsoft.com/office/2006/metadata/properties"/>
+    <ds:schemaRef ds:uri="8ca2a57e-8138-4b57-956a-eb6e2c7049cc"/>
+    <ds:schemaRef ds:uri="http://www.w3.org/XML/1998/namespace"/>
+    <ds:schemaRef ds:uri="http://schemas.microsoft.com/office/infopath/2007/PartnerControls"/>
+    <ds:schemaRef ds:uri="http://schemas.openxmlformats.org/package/2006/metadata/core-properties"/>
+    <ds:schemaRef ds:uri="1d2798d9-1030-4cc5-be7b-200f9e628651"/>
+    <ds:schemaRef ds:uri="http://purl.org/dc/terms/"/>
+    <ds:schemaRef ds:uri="http://purl.org/dc/elements/1.1/"/>
+  </ds:schemaRefs>
+</ds:datastoreItem>
 </file>
--- a/images/Banner_PI_80x120.pptx
+++ b/images/Banner_PI_80x120.pptx
@@ -5217,7 +5217,7 @@
         </p:blipFill>
         <p:spPr>
           <a:xfrm>
-            <a:off x="11435176" y="13046140"/>
+            <a:off x="12638771" y="11319034"/>
             <a:ext cx="3096725" cy="2703364"/>
           </a:xfrm>
           <a:prstGeom prst="rect">
@@ -5330,7 +5330,7 @@
         </p:blipFill>
         <p:spPr>
           <a:xfrm>
-            <a:off x="1258973" y="17481786"/>
+            <a:off x="292115" y="17529872"/>
             <a:ext cx="2600325" cy="5391150"/>
           </a:xfrm>
           <a:prstGeom prst="rect">
@@ -5366,7 +5366,7 @@
         </p:blipFill>
         <p:spPr>
           <a:xfrm>
-            <a:off x="6273816" y="17481786"/>
+            <a:off x="3891513" y="17529872"/>
             <a:ext cx="2647950" cy="5391150"/>
           </a:xfrm>
           <a:prstGeom prst="rect">
@@ -5462,7 +5462,7 @@
         </p:blipFill>
         <p:spPr>
           <a:xfrm>
-            <a:off x="16201950" y="12921625"/>
+            <a:off x="17382179" y="11331623"/>
             <a:ext cx="2872161" cy="2872161"/>
           </a:xfrm>
           <a:prstGeom prst="rect">
@@ -5498,7 +5498,7 @@
         </p:blipFill>
         <p:spPr>
           <a:xfrm>
-            <a:off x="15263004" y="18416063"/>
+            <a:off x="16351675" y="15218904"/>
             <a:ext cx="5521831" cy="3106030"/>
           </a:xfrm>
           <a:prstGeom prst="rect">
@@ -5534,7 +5534,7 @@
         </p:blipFill>
         <p:spPr>
           <a:xfrm>
-            <a:off x="11389303" y="18436382"/>
+            <a:off x="12500720" y="15215693"/>
             <a:ext cx="3065393" cy="3065393"/>
           </a:xfrm>
           <a:prstGeom prst="rect">
@@ -5570,7 +5570,7 @@
         </p:blipFill>
         <p:spPr>
           <a:xfrm>
-            <a:off x="6409659" y="17873106"/>
+            <a:off x="4021378" y="17937231"/>
             <a:ext cx="2447475" cy="4608512"/>
           </a:xfrm>
           <a:prstGeom prst="rect">
@@ -5678,8 +5678,116 @@
         </p:blipFill>
         <p:spPr>
           <a:xfrm>
-            <a:off x="1333812" y="17832161"/>
-            <a:ext cx="2410754" cy="4648200"/>
+            <a:off x="400014" y="17905391"/>
+            <a:ext cx="2397639" cy="4574969"/>
+          </a:xfrm>
+          <a:prstGeom prst="rect">
+            <a:avLst/>
+          </a:prstGeom>
+        </p:spPr>
+      </p:pic>
+      <p:pic>
+        <p:nvPicPr>
+          <p:cNvPr id="27" name="Imagem 26" descr="Tela de um aparelho eletrônico&#10;&#10;O conteúdo gerado por IA pode estar incorreto.">
+            <a:extLst>
+              <a:ext uri="{FF2B5EF4-FFF2-40B4-BE49-F238E27FC236}">
+                <a16:creationId xmlns:a16="http://schemas.microsoft.com/office/drawing/2014/main" id="{92549356-A3CF-4DB3-8BFF-77BBF03C19A8}"/>
+              </a:ext>
+            </a:extLst>
+          </p:cNvPr>
+          <p:cNvPicPr>
+            <a:picLocks noChangeAspect="1"/>
+          </p:cNvPicPr>
+          <p:nvPr/>
+        </p:nvPicPr>
+        <p:blipFill>
+          <a:blip r:embed="rId5">
+            <a:extLst>
+              <a:ext uri="{28A0092B-C50C-407E-A947-70E740481C1C}">
+                <a14:useLocalDpi xmlns:a14="http://schemas.microsoft.com/office/drawing/2010/main" val="0"/>
+              </a:ext>
+            </a:extLst>
+          </a:blip>
+          <a:stretch>
+            <a:fillRect/>
+          </a:stretch>
+        </p:blipFill>
+        <p:spPr>
+          <a:xfrm>
+            <a:off x="7597791" y="17544905"/>
+            <a:ext cx="2647950" cy="5391150"/>
+          </a:xfrm>
+          <a:prstGeom prst="rect">
+            <a:avLst/>
+          </a:prstGeom>
+        </p:spPr>
+      </p:pic>
+      <p:pic>
+        <p:nvPicPr>
+          <p:cNvPr id="9" name="Imagem 8">
+            <a:extLst>
+              <a:ext uri="{FF2B5EF4-FFF2-40B4-BE49-F238E27FC236}">
+                <a16:creationId xmlns:a16="http://schemas.microsoft.com/office/drawing/2014/main" id="{3826D398-6B88-4931-8E0A-BF2683B96B5F}"/>
+              </a:ext>
+            </a:extLst>
+          </p:cNvPr>
+          <p:cNvPicPr>
+            <a:picLocks noChangeAspect="1"/>
+          </p:cNvPicPr>
+          <p:nvPr/>
+        </p:nvPicPr>
+        <p:blipFill>
+          <a:blip r:embed="rId16">
+            <a:extLst>
+              <a:ext uri="{28A0092B-C50C-407E-A947-70E740481C1C}">
+                <a14:useLocalDpi xmlns:a14="http://schemas.microsoft.com/office/drawing/2010/main" val="0"/>
+              </a:ext>
+            </a:extLst>
+          </a:blip>
+          <a:stretch>
+            <a:fillRect/>
+          </a:stretch>
+        </p:blipFill>
+        <p:spPr>
+          <a:xfrm>
+            <a:off x="10463101" y="15872021"/>
+            <a:ext cx="12974234" cy="9093378"/>
+          </a:xfrm>
+          <a:prstGeom prst="rect">
+            <a:avLst/>
+          </a:prstGeom>
+        </p:spPr>
+      </p:pic>
+      <p:pic>
+        <p:nvPicPr>
+          <p:cNvPr id="14" name="Imagem 13">
+            <a:extLst>
+              <a:ext uri="{FF2B5EF4-FFF2-40B4-BE49-F238E27FC236}">
+                <a16:creationId xmlns:a16="http://schemas.microsoft.com/office/drawing/2014/main" id="{5F8EB729-3A65-4381-9D89-D906460C2962}"/>
+              </a:ext>
+            </a:extLst>
+          </p:cNvPr>
+          <p:cNvPicPr>
+            <a:picLocks noChangeAspect="1"/>
+          </p:cNvPicPr>
+          <p:nvPr/>
+        </p:nvPicPr>
+        <p:blipFill>
+          <a:blip r:embed="rId17">
+            <a:extLst>
+              <a:ext uri="{28A0092B-C50C-407E-A947-70E740481C1C}">
+                <a14:useLocalDpi xmlns:a14="http://schemas.microsoft.com/office/drawing/2010/main" val="0"/>
+              </a:ext>
+            </a:extLst>
+          </a:blip>
+          <a:stretch>
+            <a:fillRect/>
+          </a:stretch>
+        </p:blipFill>
+        <p:spPr>
+          <a:xfrm>
+            <a:off x="7705006" y="17905392"/>
+            <a:ext cx="2430251" cy="4644071"/>
           </a:xfrm>
           <a:prstGeom prst="rect">
             <a:avLst/>
@@ -7109,6 +7217,26 @@
 </file>
 
 <file path=customXml/item1.xml><?xml version="1.0" encoding="utf-8"?>
+<p:properties xmlns:p="http://schemas.microsoft.com/office/2006/metadata/properties" xmlns:xsi="http://www.w3.org/2001/XMLSchema-instance" xmlns:pc="http://schemas.microsoft.com/office/infopath/2007/PartnerControls">
+  <documentManagement>
+    <lcf76f155ced4ddcb4097134ff3c332f xmlns="8ca2a57e-8138-4b57-956a-eb6e2c7049cc">
+      <Terms xmlns="http://schemas.microsoft.com/office/infopath/2007/PartnerControls"/>
+    </lcf76f155ced4ddcb4097134ff3c332f>
+    <TaxCatchAll xmlns="1d2798d9-1030-4cc5-be7b-200f9e628651" xsi:nil="true"/>
+  </documentManagement>
+</p:properties>
+</file>
+
+<file path=customXml/item2.xml><?xml version="1.0" encoding="utf-8"?>
+<?mso-contentType ?>
+<FormTemplates xmlns="http://schemas.microsoft.com/sharepoint/v3/contenttype/forms">
+  <Display>DocumentLibraryForm</Display>
+  <Edit>DocumentLibraryForm</Edit>
+  <New>DocumentLibraryForm</New>
+</FormTemplates>
+</file>
+
+<file path=customXml/item3.xml><?xml version="1.0" encoding="utf-8"?>
 <ct:contentTypeSchema xmlns:ct="http://schemas.microsoft.com/office/2006/metadata/contentType" xmlns:ma="http://schemas.microsoft.com/office/2006/metadata/properties/metaAttributes" ct:_="" ma:_="" ma:contentTypeName="Documento" ma:contentTypeID="0x01010045364877AF745B4281652B53F43C594A" ma:contentTypeVersion="15" ma:contentTypeDescription="Crie um novo documento." ma:contentTypeScope="" ma:versionID="440a6fbbcbce65e3f8e2bed610644788">
   <xsd:schema xmlns:xsd="http://www.w3.org/2001/XMLSchema" xmlns:xs="http://www.w3.org/2001/XMLSchema" xmlns:p="http://schemas.microsoft.com/office/2006/metadata/properties" xmlns:ns2="1d2798d9-1030-4cc5-be7b-200f9e628651" xmlns:ns3="8ca2a57e-8138-4b57-956a-eb6e2c7049cc" targetNamespace="http://schemas.microsoft.com/office/2006/metadata/properties" ma:root="true" ma:fieldsID="3ff20d9b6411658b7762fa2c08d7e1af" ns2:_="" ns3:_="">
     <xsd:import namespace="1d2798d9-1030-4cc5-be7b-200f9e628651"/>
@@ -7343,27 +7471,32 @@
 </ct:contentTypeSchema>
 </file>
 
-<file path=customXml/item2.xml><?xml version="1.0" encoding="utf-8"?>
-<?mso-contentType ?>
-<FormTemplates xmlns="http://schemas.microsoft.com/sharepoint/v3/contenttype/forms">
-  <Display>DocumentLibraryForm</Display>
-  <Edit>DocumentLibraryForm</Edit>
-  <New>DocumentLibraryForm</New>
-</FormTemplates>
+<file path=customXml/itemProps1.xml><?xml version="1.0" encoding="utf-8"?>
+<ds:datastoreItem xmlns:ds="http://schemas.openxmlformats.org/officeDocument/2006/customXml" ds:itemID="{8C580D08-C850-4D98-9BB0-6190D1509D8A}">
+  <ds:schemaRefs>
+    <ds:schemaRef ds:uri="http://purl.org/dc/elements/1.1/"/>
+    <ds:schemaRef ds:uri="http://www.w3.org/XML/1998/namespace"/>
+    <ds:schemaRef ds:uri="http://purl.org/dc/dcmitype/"/>
+    <ds:schemaRef ds:uri="http://purl.org/dc/terms/"/>
+    <ds:schemaRef ds:uri="http://schemas.microsoft.com/office/2006/documentManagement/types"/>
+    <ds:schemaRef ds:uri="http://schemas.openxmlformats.org/package/2006/metadata/core-properties"/>
+    <ds:schemaRef ds:uri="1d2798d9-1030-4cc5-be7b-200f9e628651"/>
+    <ds:schemaRef ds:uri="http://schemas.microsoft.com/office/infopath/2007/PartnerControls"/>
+    <ds:schemaRef ds:uri="8ca2a57e-8138-4b57-956a-eb6e2c7049cc"/>
+    <ds:schemaRef ds:uri="http://schemas.microsoft.com/office/2006/metadata/properties"/>
+  </ds:schemaRefs>
+</ds:datastoreItem>
 </file>
 
-<file path=customXml/item3.xml><?xml version="1.0" encoding="utf-8"?>
-<p:properties xmlns:p="http://schemas.microsoft.com/office/2006/metadata/properties" xmlns:xsi="http://www.w3.org/2001/XMLSchema-instance" xmlns:pc="http://schemas.microsoft.com/office/infopath/2007/PartnerControls">
-  <documentManagement>
-    <lcf76f155ced4ddcb4097134ff3c332f xmlns="8ca2a57e-8138-4b57-956a-eb6e2c7049cc">
-      <Terms xmlns="http://schemas.microsoft.com/office/infopath/2007/PartnerControls"/>
-    </lcf76f155ced4ddcb4097134ff3c332f>
-    <TaxCatchAll xmlns="1d2798d9-1030-4cc5-be7b-200f9e628651" xsi:nil="true"/>
-  </documentManagement>
-</p:properties>
+<file path=customXml/itemProps2.xml><?xml version="1.0" encoding="utf-8"?>
+<ds:datastoreItem xmlns:ds="http://schemas.openxmlformats.org/officeDocument/2006/customXml" ds:itemID="{20511531-72C6-41EA-909D-35A50B0891E1}">
+  <ds:schemaRefs>
+    <ds:schemaRef ds:uri="http://schemas.microsoft.com/sharepoint/v3/contenttype/forms"/>
+  </ds:schemaRefs>
+</ds:datastoreItem>
 </file>
 
-<file path=customXml/itemProps1.xml><?xml version="1.0" encoding="utf-8"?>
+<file path=customXml/itemProps3.xml><?xml version="1.0" encoding="utf-8"?>
 <ds:datastoreItem xmlns:ds="http://schemas.openxmlformats.org/officeDocument/2006/customXml" ds:itemID="{B0583F25-0BD0-426F-9D18-6079E5A02729}">
   <ds:schemaRefs>
     <ds:schemaRef ds:uri="http://schemas.microsoft.com/office/2006/metadata/contentType"/>
@@ -7380,29 +7513,4 @@
     <ds:schemaRef ds:uri="http://schemas.microsoft.com/internal/obd"/>
   </ds:schemaRefs>
 </ds:datastoreItem>
-</file>
-
-<file path=customXml/itemProps2.xml><?xml version="1.0" encoding="utf-8"?>
-<ds:datastoreItem xmlns:ds="http://schemas.openxmlformats.org/officeDocument/2006/customXml" ds:itemID="{20511531-72C6-41EA-909D-35A50B0891E1}">
-  <ds:schemaRefs>
-    <ds:schemaRef ds:uri="http://schemas.microsoft.com/sharepoint/v3/contenttype/forms"/>
-  </ds:schemaRefs>
-</ds:datastoreItem>
-</file>
-
-<file path=customXml/itemProps3.xml><?xml version="1.0" encoding="utf-8"?>
-<ds:datastoreItem xmlns:ds="http://schemas.openxmlformats.org/officeDocument/2006/customXml" ds:itemID="{8C580D08-C850-4D98-9BB0-6190D1509D8A}">
-  <ds:schemaRefs>
-    <ds:schemaRef ds:uri="http://schemas.microsoft.com/office/2006/documentManagement/types"/>
-    <ds:schemaRef ds:uri="http://purl.org/dc/dcmitype/"/>
-    <ds:schemaRef ds:uri="http://schemas.microsoft.com/office/2006/metadata/properties"/>
-    <ds:schemaRef ds:uri="8ca2a57e-8138-4b57-956a-eb6e2c7049cc"/>
-    <ds:schemaRef ds:uri="http://www.w3.org/XML/1998/namespace"/>
-    <ds:schemaRef ds:uri="http://schemas.microsoft.com/office/infopath/2007/PartnerControls"/>
-    <ds:schemaRef ds:uri="http://schemas.openxmlformats.org/package/2006/metadata/core-properties"/>
-    <ds:schemaRef ds:uri="1d2798d9-1030-4cc5-be7b-200f9e628651"/>
-    <ds:schemaRef ds:uri="http://purl.org/dc/terms/"/>
-    <ds:schemaRef ds:uri="http://purl.org/dc/elements/1.1/"/>
-  </ds:schemaRefs>
-</ds:datastoreItem>
 </file>